--- a/assets/EntregaFinal.pptx
+++ b/assets/EntregaFinal.pptx
@@ -109,6 +109,11 @@
       </a:defRPr>
     </a:lvl9pPr>
   </p:defaultTextStyle>
+  <p:extLst>
+    <p:ext uri="{EFAFB233-063F-42B5-8137-9DF3F51BA10A}">
+      <p15:sldGuideLst xmlns:p15="http://schemas.microsoft.com/office/powerpoint/2012/main"/>
+    </p:ext>
+  </p:extLst>
 </p:presentation>
 </file>
 
@@ -244,7 +249,7 @@
             <a:fld id="{B61BEF0D-F0BB-DE4B-95CE-6DB70DBA9567}" type="datetimeFigureOut">
               <a:rPr lang="en-US" smtClean="0"/>
               <a:pPr/>
-              <a:t>3/27/2020</a:t>
+              <a:t>3/31/2020</a:t>
             </a:fld>
             <a:endParaRPr lang="en-US" dirty="0"/>
           </a:p>
@@ -415,7 +420,7 @@
           <a:p>
             <a:fld id="{55C6B4A9-1611-4792-9094-5F34BCA07E0B}" type="datetimeFigureOut">
               <a:rPr lang="en-US" smtClean="0"/>
-              <a:t>3/27/2020</a:t>
+              <a:t>3/31/2020</a:t>
             </a:fld>
             <a:endParaRPr lang="en-US" dirty="0"/>
           </a:p>
@@ -596,7 +601,7 @@
             <a:fld id="{B61BEF0D-F0BB-DE4B-95CE-6DB70DBA9567}" type="datetimeFigureOut">
               <a:rPr lang="en-US" smtClean="0"/>
               <a:pPr/>
-              <a:t>3/27/2020</a:t>
+              <a:t>3/31/2020</a:t>
             </a:fld>
             <a:endParaRPr lang="en-US" dirty="0"/>
           </a:p>
@@ -1581,7 +1586,7 @@
           <a:p>
             <a:fld id="{42A54C80-263E-416B-A8E0-580EDEADCBDC}" type="datetimeFigureOut">
               <a:rPr lang="en-US" smtClean="0"/>
-              <a:t>3/27/2020</a:t>
+              <a:t>3/31/2020</a:t>
             </a:fld>
             <a:endParaRPr lang="en-US" dirty="0"/>
           </a:p>
@@ -2594,7 +2599,7 @@
             <a:fld id="{B61BEF0D-F0BB-DE4B-95CE-6DB70DBA9567}" type="datetimeFigureOut">
               <a:rPr lang="en-US" smtClean="0"/>
               <a:pPr/>
-              <a:t>3/27/2020</a:t>
+              <a:t>3/31/2020</a:t>
             </a:fld>
             <a:endParaRPr lang="en-US" dirty="0"/>
           </a:p>
@@ -2827,7 +2832,7 @@
           <a:p>
             <a:fld id="{42A54C80-263E-416B-A8E0-580EDEADCBDC}" type="datetimeFigureOut">
               <a:rPr lang="en-US" smtClean="0"/>
-              <a:t>3/27/2020</a:t>
+              <a:t>3/31/2020</a:t>
             </a:fld>
             <a:endParaRPr lang="en-US" dirty="0"/>
           </a:p>
@@ -3195,7 +3200,7 @@
             <a:fld id="{B61BEF0D-F0BB-DE4B-95CE-6DB70DBA9567}" type="datetimeFigureOut">
               <a:rPr lang="en-US" smtClean="0"/>
               <a:pPr/>
-              <a:t>3/27/2020</a:t>
+              <a:t>3/31/2020</a:t>
             </a:fld>
             <a:endParaRPr lang="en-US" dirty="0"/>
           </a:p>
@@ -3315,7 +3320,7 @@
             <a:fld id="{B61BEF0D-F0BB-DE4B-95CE-6DB70DBA9567}" type="datetimeFigureOut">
               <a:rPr lang="en-US" smtClean="0"/>
               <a:pPr/>
-              <a:t>3/27/2020</a:t>
+              <a:t>3/31/2020</a:t>
             </a:fld>
             <a:endParaRPr lang="en-US" dirty="0"/>
           </a:p>
@@ -3412,7 +3417,7 @@
             <a:fld id="{B61BEF0D-F0BB-DE4B-95CE-6DB70DBA9567}" type="datetimeFigureOut">
               <a:rPr lang="en-US" smtClean="0"/>
               <a:pPr/>
-              <a:t>3/27/2020</a:t>
+              <a:t>3/31/2020</a:t>
             </a:fld>
             <a:endParaRPr lang="en-US" dirty="0"/>
           </a:p>
@@ -3690,7 +3695,7 @@
           <a:p>
             <a:fld id="{42A54C80-263E-416B-A8E0-580EDEADCBDC}" type="datetimeFigureOut">
               <a:rPr lang="en-US" smtClean="0"/>
-              <a:t>3/27/2020</a:t>
+              <a:t>3/31/2020</a:t>
             </a:fld>
             <a:endParaRPr lang="en-US" dirty="0"/>
           </a:p>
@@ -3944,7 +3949,7 @@
             <a:fld id="{B61BEF0D-F0BB-DE4B-95CE-6DB70DBA9567}" type="datetimeFigureOut">
               <a:rPr lang="en-US" smtClean="0"/>
               <a:pPr/>
-              <a:t>3/27/2020</a:t>
+              <a:t>3/31/2020</a:t>
             </a:fld>
             <a:endParaRPr lang="en-US" dirty="0"/>
           </a:p>
@@ -4159,7 +4164,7 @@
             <a:fld id="{B61BEF0D-F0BB-DE4B-95CE-6DB70DBA9567}" type="datetimeFigureOut">
               <a:rPr lang="en-US" smtClean="0"/>
               <a:pPr/>
-              <a:t>3/27/2020</a:t>
+              <a:t>3/31/2020</a:t>
             </a:fld>
             <a:endParaRPr lang="en-US" dirty="0"/>
           </a:p>
@@ -4911,7 +4916,7 @@
                 <a:tabLst/>
                 <a:defRPr/>
               </a:pPr>
-              <a:t>27/03/2020</a:t>
+              <a:t>31/03/2020</a:t>
             </a:fld>
             <a:endParaRPr kumimoji="0" lang="pt-PT" sz="900" b="0" i="0" u="none" strike="noStrike" kern="1200" cap="none" spc="-1" normalizeH="0" baseline="0" noProof="0">
               <a:ln>
@@ -5612,7 +5617,7 @@
                 <a:tabLst/>
                 <a:defRPr/>
               </a:pPr>
-              <a:t>27/03/2020</a:t>
+              <a:t>31/03/2020</a:t>
             </a:fld>
             <a:endParaRPr kumimoji="0" lang="pt-PT" sz="900" b="0" i="0" u="none" strike="noStrike" kern="1200" cap="none" spc="-1" normalizeH="0" baseline="0" noProof="0">
               <a:ln>
@@ -5684,7 +5689,7 @@
               <a:defRPr/>
             </a:pPr>
             <a:r>
-              <a:rPr kumimoji="0" lang="pt-PT" sz="1800" b="0" i="0" u="none" strike="noStrike" kern="1200" cap="none" spc="-1" normalizeH="0" baseline="0" noProof="0">
+              <a:rPr kumimoji="0" lang="pt-PT" sz="1800" b="0" i="0" u="none" strike="noStrike" kern="1200" cap="none" spc="-1" normalizeH="0" baseline="0" noProof="0" dirty="0">
                 <a:ln>
                   <a:noFill/>
                 </a:ln>
@@ -5698,7 +5703,7 @@
               </a:rPr>
               <a:t>Cláudia Mamede – 201604832@fe.up.pt</a:t>
             </a:r>
-            <a:endParaRPr kumimoji="0" lang="pt-PT" sz="1800" b="0" i="0" u="none" strike="noStrike" kern="1200" cap="none" spc="-1" normalizeH="0" baseline="0" noProof="0">
+            <a:endParaRPr kumimoji="0" lang="pt-PT" sz="1800" b="0" i="0" u="none" strike="noStrike" kern="1200" cap="none" spc="-1" normalizeH="0" baseline="0" noProof="0" dirty="0">
               <a:ln>
                 <a:noFill/>
               </a:ln>
@@ -5730,7 +5735,7 @@
               <a:defRPr/>
             </a:pPr>
             <a:r>
-              <a:rPr kumimoji="0" lang="pt-PT" sz="1800" b="0" i="0" u="none" strike="noStrike" kern="1200" cap="none" spc="-1" normalizeH="0" baseline="0" noProof="0">
+              <a:rPr kumimoji="0" lang="pt-PT" sz="1800" b="0" i="0" u="none" strike="noStrike" kern="1200" cap="none" spc="-1" normalizeH="0" baseline="0" noProof="0" dirty="0">
                 <a:ln>
                   <a:noFill/>
                 </a:ln>
@@ -5744,7 +5749,7 @@
               </a:rPr>
               <a:t>João Macedo - 201704464@fe.up.pt</a:t>
             </a:r>
-            <a:endParaRPr kumimoji="0" lang="pt-PT" sz="1800" b="0" i="0" u="none" strike="noStrike" kern="1200" cap="none" spc="-1" normalizeH="0" baseline="0" noProof="0">
+            <a:endParaRPr kumimoji="0" lang="pt-PT" sz="1800" b="0" i="0" u="none" strike="noStrike" kern="1200" cap="none" spc="-1" normalizeH="0" baseline="0" noProof="0" dirty="0">
               <a:ln>
                 <a:noFill/>
               </a:ln>
@@ -5842,7 +5847,7 @@
     <mc:Choice Requires="p14">
       <p:transition spd="slow" p14:dur="2000"/>
     </mc:Choice>
-    <mc:Fallback xmlns:p15="http://schemas.microsoft.com/office/powerpoint/2012/main" xmlns="">
+    <mc:Fallback xmlns="" xmlns:p15="http://schemas.microsoft.com/office/powerpoint/2012/main">
       <p:transition spd="slow"/>
     </mc:Fallback>
   </mc:AlternateContent>
@@ -5878,7 +5883,7 @@
         </p:nvSpPr>
         <p:spPr>
           <a:xfrm>
-            <a:off x="880318" y="509122"/>
+            <a:off x="694944" y="509122"/>
             <a:ext cx="10058400" cy="658368"/>
           </a:xfrm>
         </p:spPr>
@@ -5918,8 +5923,8 @@
             </p:nvSpPr>
             <p:spPr>
               <a:xfrm>
-                <a:off x="630936" y="1167490"/>
-                <a:ext cx="5852160" cy="5443622"/>
+                <a:off x="694944" y="1167490"/>
+                <a:ext cx="5760720" cy="5443622"/>
               </a:xfrm>
             </p:spPr>
             <p:txBody>
@@ -6068,15 +6073,7 @@
                 </a:r>
                 <a:r>
                   <a:rPr lang="pt-PT" sz="2000" dirty="0" smtClean="0"/>
-                  <a:t>assumindo um problema de maximização, uma solução é aceite consoante </a:t>
-                </a:r>
-                <a:r>
-                  <a:rPr lang="pt-PT" sz="2000" dirty="0" smtClean="0"/>
-                  <a:t>o valor da função de </a:t>
-                </a:r>
-                <a:r>
-                  <a:rPr lang="pt-PT" sz="2000" dirty="0" smtClean="0"/>
-                  <a:t>probabilidade de aceitação, após calcular o valor da função objetivo para a lista de </a:t>
+                  <a:t>assumindo um problema de maximização, uma solução é aceite consoante o valor da função de probabilidade de aceitação, após calcular o valor da função objetivo para a lista de </a:t>
                 </a:r>
                 <a:r>
                   <a:rPr lang="pt-PT" sz="2000" i="1" dirty="0" smtClean="0"/>
@@ -6236,7 +6233,7 @@
                           <m:begChr m:val="|"/>
                           <m:endChr m:val="|"/>
                           <m:ctrlPr>
-                            <a:rPr lang="pt-PT" sz="2000" b="0" i="0" smtClean="0">
+                            <a:rPr lang="pt-PT" sz="2000" b="0" i="1" smtClean="0">
                               <a:latin typeface="Cambria Math" panose="02040503050406030204" pitchFamily="18" charset="0"/>
                             </a:rPr>
                           </m:ctrlPr>
@@ -6304,13 +6301,13 @@
             </p:nvSpPr>
             <p:spPr>
               <a:xfrm>
-                <a:off x="630936" y="1167490"/>
-                <a:ext cx="5852160" cy="5443622"/>
+                <a:off x="694944" y="1167490"/>
+                <a:ext cx="5760720" cy="5443622"/>
               </a:xfrm>
               <a:blipFill>
                 <a:blip r:embed="rId2"/>
                 <a:stretch>
-                  <a:fillRect l="-208" r="-208"/>
+                  <a:fillRect l="-106" r="-317"/>
                 </a:stretch>
               </a:blipFill>
             </p:spPr>
@@ -8637,13 +8634,13 @@
             <p:ph idx="1"/>
             <p:extLst>
               <p:ext uri="{D42A27DB-BD31-4B8C-83A1-F6EECF244321}">
-                <p14:modId xmlns:p14="http://schemas.microsoft.com/office/powerpoint/2010/main" val="1284450603"/>
+                <p14:modId xmlns:p14="http://schemas.microsoft.com/office/powerpoint/2010/main" val="3677464490"/>
               </p:ext>
             </p:extLst>
           </p:nvPr>
         </p:nvGraphicFramePr>
         <p:xfrm>
-          <a:off x="6480463" y="3650961"/>
+          <a:off x="6480463" y="3665617"/>
           <a:ext cx="4783280" cy="2270653"/>
         </p:xfrm>
         <a:graphic>
@@ -9080,7 +9077,14 @@
                       <a:endParaRPr lang="pt-PT" sz="1400" b="1" dirty="0"/>
                     </a:p>
                   </a:txBody>
-                  <a:tcPr/>
+                  <a:tcPr>
+                    <a:solidFill>
+                      <a:schemeClr val="accent4">
+                        <a:lumMod val="40000"/>
+                        <a:lumOff val="60000"/>
+                      </a:schemeClr>
+                    </a:solidFill>
+                  </a:tcPr>
                 </a:tc>
                 <a:tc>
                   <a:txBody>
@@ -9090,12 +9094,19 @@
                       <a:pPr algn="ctr"/>
                       <a:r>
                         <a:rPr lang="pt-PT" sz="1400" dirty="0" smtClean="0"/>
-                        <a:t>0.188</a:t>
+                        <a:t>0.344</a:t>
                       </a:r>
                       <a:endParaRPr lang="pt-PT" sz="1400" dirty="0"/>
                     </a:p>
                   </a:txBody>
-                  <a:tcPr/>
+                  <a:tcPr>
+                    <a:solidFill>
+                      <a:schemeClr val="accent4">
+                        <a:lumMod val="40000"/>
+                        <a:lumOff val="60000"/>
+                      </a:schemeClr>
+                    </a:solidFill>
+                  </a:tcPr>
                 </a:tc>
                 <a:tc>
                   <a:txBody>
@@ -9110,22 +9121,14 @@
                       <a:endParaRPr lang="pt-PT" sz="1400" dirty="0"/>
                     </a:p>
                   </a:txBody>
-                  <a:tcPr/>
-                </a:tc>
-                <a:tc>
-                  <a:txBody>
-                    <a:bodyPr/>
-                    <a:lstStyle/>
-                    <a:p>
-                      <a:pPr algn="ctr"/>
-                      <a:r>
-                        <a:rPr lang="pt-PT" sz="1400" smtClean="0"/>
-                        <a:t>0.28</a:t>
-                      </a:r>
-                      <a:endParaRPr lang="pt-PT" sz="1400"/>
-                    </a:p>
-                  </a:txBody>
-                  <a:tcPr/>
+                  <a:tcPr>
+                    <a:solidFill>
+                      <a:schemeClr val="accent4">
+                        <a:lumMod val="40000"/>
+                        <a:lumOff val="60000"/>
+                      </a:schemeClr>
+                    </a:solidFill>
+                  </a:tcPr>
                 </a:tc>
                 <a:tc>
                   <a:txBody>
@@ -9135,12 +9138,41 @@
                       <a:pPr algn="ctr"/>
                       <a:r>
                         <a:rPr lang="pt-PT" sz="1400" dirty="0" smtClean="0"/>
-                        <a:t>241</a:t>
+                        <a:t>1.73</a:t>
                       </a:r>
                       <a:endParaRPr lang="pt-PT" sz="1400" dirty="0"/>
                     </a:p>
                   </a:txBody>
-                  <a:tcPr/>
+                  <a:tcPr>
+                    <a:solidFill>
+                      <a:schemeClr val="accent4">
+                        <a:lumMod val="40000"/>
+                        <a:lumOff val="60000"/>
+                      </a:schemeClr>
+                    </a:solidFill>
+                  </a:tcPr>
+                </a:tc>
+                <a:tc>
+                  <a:txBody>
+                    <a:bodyPr/>
+                    <a:lstStyle/>
+                    <a:p>
+                      <a:pPr algn="ctr"/>
+                      <a:r>
+                        <a:rPr lang="pt-PT" sz="1400" dirty="0" smtClean="0"/>
+                        <a:t>571</a:t>
+                      </a:r>
+                      <a:endParaRPr lang="pt-PT" sz="1400" dirty="0"/>
+                    </a:p>
+                  </a:txBody>
+                  <a:tcPr>
+                    <a:solidFill>
+                      <a:schemeClr val="accent4">
+                        <a:lumMod val="40000"/>
+                        <a:lumOff val="60000"/>
+                      </a:schemeClr>
+                    </a:solidFill>
+                  </a:tcPr>
                 </a:tc>
                 <a:extLst>
                   <a:ext uri="{0D108BD9-81ED-4DB2-BD59-A6C34878D82A}">
@@ -9202,7 +9234,7 @@
                       <a:pPr algn="ctr"/>
                       <a:r>
                         <a:rPr lang="pt-PT" sz="1400" dirty="0" smtClean="0"/>
-                        <a:t>39.03</a:t>
+                        <a:t>35.03</a:t>
                       </a:r>
                       <a:endParaRPr lang="pt-PT" sz="1400" dirty="0"/>
                     </a:p>
@@ -9217,7 +9249,7 @@
                       <a:pPr algn="ctr"/>
                       <a:r>
                         <a:rPr lang="pt-PT" sz="1400" dirty="0" smtClean="0"/>
-                        <a:t>207317</a:t>
+                        <a:t>203117</a:t>
                       </a:r>
                       <a:endParaRPr lang="pt-PT" sz="1400" dirty="0"/>
                     </a:p>
@@ -9299,7 +9331,7 @@
                       <a:pPr algn="ctr"/>
                       <a:r>
                         <a:rPr lang="pt-PT" sz="1400" dirty="0" smtClean="0"/>
-                        <a:t>113568</a:t>
+                        <a:t>113168</a:t>
                       </a:r>
                       <a:endParaRPr lang="pt-PT" sz="1400" dirty="0"/>
                     </a:p>
@@ -9324,7 +9356,7 @@
         </p:nvSpPr>
         <p:spPr>
           <a:xfrm>
-            <a:off x="6480463" y="3226908"/>
+            <a:off x="6480463" y="3241564"/>
             <a:ext cx="4478482" cy="307777"/>
           </a:xfrm>
           <a:prstGeom prst="rect">
@@ -9367,13 +9399,13 @@
           <p:nvPr>
             <p:extLst>
               <p:ext uri="{D42A27DB-BD31-4B8C-83A1-F6EECF244321}">
-                <p14:modId xmlns:p14="http://schemas.microsoft.com/office/powerpoint/2010/main" val="1870892913"/>
+                <p14:modId xmlns:p14="http://schemas.microsoft.com/office/powerpoint/2010/main" val="1453179975"/>
               </p:ext>
             </p:extLst>
           </p:nvPr>
         </p:nvGraphicFramePr>
         <p:xfrm>
-          <a:off x="973281" y="3650961"/>
+          <a:off x="685800" y="3665618"/>
           <a:ext cx="4783280" cy="2270653"/>
         </p:xfrm>
         <a:graphic>
@@ -9810,22 +9842,14 @@
                       <a:endParaRPr lang="pt-PT" sz="1400" b="1" dirty="0"/>
                     </a:p>
                   </a:txBody>
-                  <a:tcPr/>
-                </a:tc>
-                <a:tc>
-                  <a:txBody>
-                    <a:bodyPr/>
-                    <a:lstStyle/>
-                    <a:p>
-                      <a:pPr algn="ctr"/>
-                      <a:r>
-                        <a:rPr lang="pt-PT" sz="1400" smtClean="0"/>
-                        <a:t>2.14</a:t>
-                      </a:r>
-                      <a:endParaRPr lang="pt-PT" sz="1400" dirty="0"/>
-                    </a:p>
-                  </a:txBody>
-                  <a:tcPr/>
+                  <a:tcPr>
+                    <a:solidFill>
+                      <a:schemeClr val="accent4">
+                        <a:lumMod val="40000"/>
+                        <a:lumOff val="60000"/>
+                      </a:schemeClr>
+                    </a:solidFill>
+                  </a:tcPr>
                 </a:tc>
                 <a:tc>
                   <a:txBody>
@@ -9835,12 +9859,19 @@
                       <a:pPr algn="ctr"/>
                       <a:r>
                         <a:rPr lang="pt-PT" sz="1400" dirty="0" smtClean="0"/>
-                        <a:t>197</a:t>
+                        <a:t>4.456</a:t>
                       </a:r>
                       <a:endParaRPr lang="pt-PT" sz="1400" dirty="0"/>
                     </a:p>
                   </a:txBody>
-                  <a:tcPr/>
+                  <a:tcPr>
+                    <a:solidFill>
+                      <a:schemeClr val="accent4">
+                        <a:lumMod val="40000"/>
+                        <a:lumOff val="60000"/>
+                      </a:schemeClr>
+                    </a:solidFill>
+                  </a:tcPr>
                 </a:tc>
                 <a:tc>
                   <a:txBody>
@@ -9850,12 +9881,19 @@
                       <a:pPr algn="ctr"/>
                       <a:r>
                         <a:rPr lang="pt-PT" sz="1400" dirty="0" smtClean="0"/>
-                        <a:t>3.844</a:t>
+                        <a:t>158</a:t>
                       </a:r>
                       <a:endParaRPr lang="pt-PT" sz="1400" dirty="0"/>
                     </a:p>
                   </a:txBody>
-                  <a:tcPr/>
+                  <a:tcPr>
+                    <a:solidFill>
+                      <a:schemeClr val="accent4">
+                        <a:lumMod val="40000"/>
+                        <a:lumOff val="60000"/>
+                      </a:schemeClr>
+                    </a:solidFill>
+                  </a:tcPr>
                 </a:tc>
                 <a:tc>
                   <a:txBody>
@@ -9865,12 +9903,41 @@
                       <a:pPr algn="ctr"/>
                       <a:r>
                         <a:rPr lang="pt-PT" sz="1400" dirty="0" smtClean="0"/>
-                        <a:t>435</a:t>
+                        <a:t>6.844</a:t>
                       </a:r>
                       <a:endParaRPr lang="pt-PT" sz="1400" dirty="0"/>
                     </a:p>
                   </a:txBody>
-                  <a:tcPr/>
+                  <a:tcPr>
+                    <a:solidFill>
+                      <a:schemeClr val="accent4">
+                        <a:lumMod val="40000"/>
+                        <a:lumOff val="60000"/>
+                      </a:schemeClr>
+                    </a:solidFill>
+                  </a:tcPr>
+                </a:tc>
+                <a:tc>
+                  <a:txBody>
+                    <a:bodyPr/>
+                    <a:lstStyle/>
+                    <a:p>
+                      <a:pPr algn="ctr"/>
+                      <a:r>
+                        <a:rPr lang="pt-PT" sz="1400" dirty="0" smtClean="0"/>
+                        <a:t>761</a:t>
+                      </a:r>
+                      <a:endParaRPr lang="pt-PT" sz="1400" dirty="0"/>
+                    </a:p>
+                  </a:txBody>
+                  <a:tcPr>
+                    <a:solidFill>
+                      <a:schemeClr val="accent4">
+                        <a:lumMod val="40000"/>
+                        <a:lumOff val="60000"/>
+                      </a:schemeClr>
+                    </a:solidFill>
+                  </a:tcPr>
                 </a:tc>
                 <a:extLst>
                   <a:ext uri="{0D108BD9-81ED-4DB2-BD59-A6C34878D82A}">
@@ -9947,7 +10014,7 @@
                       <a:pPr algn="ctr"/>
                       <a:r>
                         <a:rPr lang="pt-PT" sz="1400" dirty="0" smtClean="0"/>
-                        <a:t>207731</a:t>
+                        <a:t>208731</a:t>
                       </a:r>
                       <a:endParaRPr lang="pt-PT" sz="1400" dirty="0"/>
                     </a:p>
@@ -10029,7 +10096,7 @@
                       <a:pPr algn="ctr"/>
                       <a:r>
                         <a:rPr lang="pt-PT" sz="1400" dirty="0" smtClean="0"/>
-                        <a:t>113568</a:t>
+                        <a:t>113868</a:t>
                       </a:r>
                       <a:endParaRPr lang="pt-PT" sz="1400" dirty="0"/>
                     </a:p>
@@ -10054,7 +10121,7 @@
         </p:nvSpPr>
         <p:spPr>
           <a:xfrm>
-            <a:off x="973281" y="3226908"/>
+            <a:off x="685800" y="3241565"/>
             <a:ext cx="4478482" cy="307777"/>
           </a:xfrm>
           <a:prstGeom prst="rect">
@@ -10096,8 +10163,8 @@
         </p:nvSpPr>
         <p:spPr>
           <a:xfrm>
-            <a:off x="973282" y="1302573"/>
-            <a:ext cx="10290461" cy="1569660"/>
+            <a:off x="685800" y="1302573"/>
+            <a:ext cx="10577943" cy="1938992"/>
           </a:xfrm>
           <a:prstGeom prst="rect">
             <a:avLst/>
@@ -10119,7 +10186,11 @@
             </a:pPr>
             <a:r>
               <a:rPr lang="pt-PT" sz="1600" dirty="0" smtClean="0"/>
-              <a:t>Os resultados obtidos, quando aplicado o operador mais rigoroso, são melhores;</a:t>
+              <a:t>Os resultados obtidos, quando aplicado o operador mais rigoroso, são melhores</a:t>
+            </a:r>
+            <a:r>
+              <a:rPr lang="pt-PT" sz="1600" dirty="0" smtClean="0"/>
+              <a:t>;</a:t>
             </a:r>
           </a:p>
           <a:p>
@@ -10132,19 +10203,41 @@
             </a:pPr>
             <a:r>
               <a:rPr lang="pt-PT" sz="1600" dirty="0" smtClean="0"/>
-              <a:t>Ao aplicar o operador aleatório, o tempo de execução diminui consideravelmente.</a:t>
-            </a:r>
-          </a:p>
-          <a:p>
-            <a:pPr algn="just">
+              <a:t>Uma elevada temperatura inicial permite testar soluções mais “distantes” da solução atual e torna mais independente a solução inicial escolhida;</a:t>
+            </a:r>
+            <a:endParaRPr lang="pt-PT" sz="1600" dirty="0" smtClean="0"/>
+          </a:p>
+          <a:p>
+            <a:pPr indent="446088" algn="just">
               <a:lnSpc>
                 <a:spcPct val="150000"/>
               </a:lnSpc>
+              <a:buFont typeface="Arial" panose="020B0604020202020204" pitchFamily="34" charset="0"/>
+              <a:buChar char="•"/>
             </a:pPr>
             <a:r>
               <a:rPr lang="pt-PT" sz="1600" dirty="0" smtClean="0"/>
-              <a:t>Posto isto, conclui-se que, sacrificando um pouco a qualidade dos resultados, é possível obter soluções razoáveis num menor intervalo de tempo.</a:t>
-            </a:r>
+              <a:t>Ao aplicar o operador aleatório, o tempo de execução diminui </a:t>
+            </a:r>
+            <a:r>
+              <a:rPr lang="pt-PT" sz="1600" dirty="0" smtClean="0"/>
+              <a:t>consideravelmente</a:t>
+            </a:r>
+            <a:r>
+              <a:rPr lang="pt-PT" sz="1600" dirty="0"/>
+              <a:t>.</a:t>
+            </a:r>
+            <a:endParaRPr lang="pt-PT" sz="1600" dirty="0" smtClean="0"/>
+          </a:p>
+          <a:p>
+            <a:pPr indent="446088" algn="just">
+              <a:lnSpc>
+                <a:spcPct val="150000"/>
+              </a:lnSpc>
+              <a:buFont typeface="Arial" panose="020B0604020202020204" pitchFamily="34" charset="0"/>
+              <a:buChar char="•"/>
+            </a:pPr>
+            <a:endParaRPr lang="pt-PT" sz="1600" dirty="0" smtClean="0"/>
           </a:p>
         </p:txBody>
       </p:sp>
@@ -10160,7 +10253,7 @@
         </p:nvSpPr>
         <p:spPr>
           <a:xfrm>
-            <a:off x="973282" y="490317"/>
+            <a:off x="685800" y="549336"/>
             <a:ext cx="10058400" cy="658368"/>
           </a:xfrm>
         </p:spPr>
@@ -10228,8 +10321,8 @@
         </p:nvSpPr>
         <p:spPr>
           <a:xfrm>
-            <a:off x="838200" y="365125"/>
-            <a:ext cx="3567545" cy="1325563"/>
+            <a:off x="685800" y="529717"/>
+            <a:ext cx="3567545" cy="713867"/>
           </a:xfrm>
         </p:spPr>
         <p:txBody>
@@ -10262,8 +10355,8 @@
         </p:nvSpPr>
         <p:spPr>
           <a:xfrm>
-            <a:off x="671945" y="1433945"/>
-            <a:ext cx="5624945" cy="4743018"/>
+            <a:off x="685800" y="1433945"/>
+            <a:ext cx="5760720" cy="4743018"/>
           </a:xfrm>
         </p:spPr>
         <p:txBody>
@@ -10331,7 +10424,11 @@
             </a:r>
             <a:r>
               <a:rPr lang="pt-PT" sz="1600" dirty="0" smtClean="0"/>
-              <a:t>retorna uma lista dos </a:t>
+              <a:t>obtém </a:t>
+            </a:r>
+            <a:r>
+              <a:rPr lang="pt-PT" sz="1600" dirty="0" smtClean="0"/>
+              <a:t>lista dos </a:t>
             </a:r>
             <a:r>
               <a:rPr lang="pt-PT" sz="1600" i="1" dirty="0" smtClean="0"/>
@@ -10390,7 +10487,7 @@
             </a:r>
             <a:r>
               <a:rPr lang="pt-PT" sz="1600" i="1" dirty="0" smtClean="0"/>
-              <a:t>.</a:t>
+              <a:t>. </a:t>
             </a:r>
             <a:endParaRPr lang="pt-PT" sz="1600" dirty="0" smtClean="0"/>
           </a:p>
@@ -12696,7 +12793,7 @@
             <p:ph idx="1"/>
             <p:extLst>
               <p:ext uri="{D42A27DB-BD31-4B8C-83A1-F6EECF244321}">
-                <p14:modId xmlns:p14="http://schemas.microsoft.com/office/powerpoint/2010/main" val="4139345670"/>
+                <p14:modId xmlns:p14="http://schemas.microsoft.com/office/powerpoint/2010/main" val="3086597940"/>
               </p:ext>
             </p:extLst>
           </p:nvPr>
@@ -12849,6 +12946,10 @@
                     <a:lstStyle/>
                     <a:p>
                       <a:pPr algn="ctr"/>
+                      <a:r>
+                        <a:rPr lang="pt-PT" dirty="0" smtClean="0"/>
+                        <a:t>B</a:t>
+                      </a:r>
                       <a:endParaRPr lang="pt-PT" dirty="0" smtClean="0"/>
                     </a:p>
                   </a:txBody>
@@ -12940,7 +13041,11 @@
                     <a:bodyPr/>
                     <a:lstStyle/>
                     <a:p>
-                      <a:endParaRPr lang="pt-PT"/>
+                      <a:pPr algn="ctr"/>
+                      <a:r>
+                        <a:rPr lang="pt-PT" dirty="0" smtClean="0"/>
+                        <a:t>D</a:t>
+                      </a:r>
                     </a:p>
                   </a:txBody>
                   <a:tcPr/>
@@ -12950,7 +13055,7 @@
                     <a:bodyPr/>
                     <a:lstStyle/>
                     <a:p>
-                      <a:endParaRPr lang="pt-PT"/>
+                      <a:endParaRPr lang="pt-PT" dirty="0"/>
                     </a:p>
                   </a:txBody>
                   <a:tcPr/>
@@ -12977,6 +13082,11 @@
                     <a:bodyPr/>
                     <a:lstStyle/>
                     <a:p>
+                      <a:pPr algn="ctr"/>
+                      <a:r>
+                        <a:rPr lang="pt-PT" dirty="0" smtClean="0"/>
+                        <a:t>E</a:t>
+                      </a:r>
                       <a:endParaRPr lang="pt-PT" dirty="0"/>
                     </a:p>
                   </a:txBody>
@@ -13020,7 +13130,7 @@
         </p:nvSpPr>
         <p:spPr>
           <a:xfrm>
-            <a:off x="838200" y="1690688"/>
+            <a:off x="838200" y="1471232"/>
             <a:ext cx="10352809" cy="1846659"/>
           </a:xfrm>
           <a:prstGeom prst="rect">
